--- a/Documentacion/Presentación.pptx
+++ b/Documentacion/Presentación.pptx
@@ -108,6 +108,11 @@
       </a:defRPr>
     </a:lvl9pPr>
   </p:defaultTextStyle>
+  <p:extLst>
+    <p:ext uri="{EFAFB233-063F-42B5-8137-9DF3F51BA10A}">
+      <p15:sldGuideLst xmlns:p15="http://schemas.microsoft.com/office/powerpoint/2012/main"/>
+    </p:ext>
+  </p:extLst>
 </p:presentation>
 </file>
 
@@ -242,7 +247,7 @@
           <a:p>
             <a:fld id="{B88DB48F-F0C5-4F2B-BDFD-D25F610417F5}" type="datetimeFigureOut">
               <a:rPr lang="es-ES" smtClean="0"/>
-              <a:t>04/06/2018</a:t>
+              <a:t>05/06/2018</a:t>
             </a:fld>
             <a:endParaRPr lang="es-ES"/>
           </a:p>
@@ -412,7 +417,7 @@
           <a:p>
             <a:fld id="{B88DB48F-F0C5-4F2B-BDFD-D25F610417F5}" type="datetimeFigureOut">
               <a:rPr lang="es-ES" smtClean="0"/>
-              <a:t>04/06/2018</a:t>
+              <a:t>05/06/2018</a:t>
             </a:fld>
             <a:endParaRPr lang="es-ES"/>
           </a:p>
@@ -592,7 +597,7 @@
           <a:p>
             <a:fld id="{B88DB48F-F0C5-4F2B-BDFD-D25F610417F5}" type="datetimeFigureOut">
               <a:rPr lang="es-ES" smtClean="0"/>
-              <a:t>04/06/2018</a:t>
+              <a:t>05/06/2018</a:t>
             </a:fld>
             <a:endParaRPr lang="es-ES"/>
           </a:p>
@@ -762,7 +767,7 @@
           <a:p>
             <a:fld id="{B88DB48F-F0C5-4F2B-BDFD-D25F610417F5}" type="datetimeFigureOut">
               <a:rPr lang="es-ES" smtClean="0"/>
-              <a:t>04/06/2018</a:t>
+              <a:t>05/06/2018</a:t>
             </a:fld>
             <a:endParaRPr lang="es-ES"/>
           </a:p>
@@ -1008,7 +1013,7 @@
           <a:p>
             <a:fld id="{B88DB48F-F0C5-4F2B-BDFD-D25F610417F5}" type="datetimeFigureOut">
               <a:rPr lang="es-ES" smtClean="0"/>
-              <a:t>04/06/2018</a:t>
+              <a:t>05/06/2018</a:t>
             </a:fld>
             <a:endParaRPr lang="es-ES"/>
           </a:p>
@@ -1240,7 +1245,7 @@
           <a:p>
             <a:fld id="{B88DB48F-F0C5-4F2B-BDFD-D25F610417F5}" type="datetimeFigureOut">
               <a:rPr lang="es-ES" smtClean="0"/>
-              <a:t>04/06/2018</a:t>
+              <a:t>05/06/2018</a:t>
             </a:fld>
             <a:endParaRPr lang="es-ES"/>
           </a:p>
@@ -1607,7 +1612,7 @@
           <a:p>
             <a:fld id="{B88DB48F-F0C5-4F2B-BDFD-D25F610417F5}" type="datetimeFigureOut">
               <a:rPr lang="es-ES" smtClean="0"/>
-              <a:t>04/06/2018</a:t>
+              <a:t>05/06/2018</a:t>
             </a:fld>
             <a:endParaRPr lang="es-ES"/>
           </a:p>
@@ -1725,7 +1730,7 @@
           <a:p>
             <a:fld id="{B88DB48F-F0C5-4F2B-BDFD-D25F610417F5}" type="datetimeFigureOut">
               <a:rPr lang="es-ES" smtClean="0"/>
-              <a:t>04/06/2018</a:t>
+              <a:t>05/06/2018</a:t>
             </a:fld>
             <a:endParaRPr lang="es-ES"/>
           </a:p>
@@ -1820,7 +1825,7 @@
           <a:p>
             <a:fld id="{B88DB48F-F0C5-4F2B-BDFD-D25F610417F5}" type="datetimeFigureOut">
               <a:rPr lang="es-ES" smtClean="0"/>
-              <a:t>04/06/2018</a:t>
+              <a:t>05/06/2018</a:t>
             </a:fld>
             <a:endParaRPr lang="es-ES"/>
           </a:p>
@@ -2097,7 +2102,7 @@
           <a:p>
             <a:fld id="{B88DB48F-F0C5-4F2B-BDFD-D25F610417F5}" type="datetimeFigureOut">
               <a:rPr lang="es-ES" smtClean="0"/>
-              <a:t>04/06/2018</a:t>
+              <a:t>05/06/2018</a:t>
             </a:fld>
             <a:endParaRPr lang="es-ES"/>
           </a:p>
@@ -2350,7 +2355,7 @@
           <a:p>
             <a:fld id="{B88DB48F-F0C5-4F2B-BDFD-D25F610417F5}" type="datetimeFigureOut">
               <a:rPr lang="es-ES" smtClean="0"/>
-              <a:t>04/06/2018</a:t>
+              <a:t>05/06/2018</a:t>
             </a:fld>
             <a:endParaRPr lang="es-ES"/>
           </a:p>
@@ -2563,7 +2568,7 @@
           <a:p>
             <a:fld id="{B88DB48F-F0C5-4F2B-BDFD-D25F610417F5}" type="datetimeFigureOut">
               <a:rPr lang="es-ES" smtClean="0"/>
-              <a:t>04/06/2018</a:t>
+              <a:t>05/06/2018</a:t>
             </a:fld>
             <a:endParaRPr lang="es-ES"/>
           </a:p>
@@ -3332,7 +3337,7 @@
         </p:blipFill>
         <p:spPr bwMode="auto">
           <a:xfrm>
-            <a:off x="1460524" y="1523881"/>
+            <a:off x="175418" y="1523881"/>
             <a:ext cx="3047975" cy="4589313"/>
           </a:xfrm>
           <a:prstGeom prst="rect">
@@ -3372,8 +3377,38 @@
         </p:blipFill>
         <p:spPr>
           <a:xfrm>
-            <a:off x="6724649" y="1017244"/>
+            <a:off x="8586403" y="1025482"/>
             <a:ext cx="2700338" cy="4800600"/>
+          </a:xfrm>
+          <a:prstGeom prst="rect">
+            <a:avLst/>
+          </a:prstGeom>
+        </p:spPr>
+      </p:pic>
+      <p:pic>
+        <p:nvPicPr>
+          <p:cNvPr id="3" name="Imagen 2"/>
+          <p:cNvPicPr>
+            <a:picLocks noChangeAspect="1"/>
+          </p:cNvPicPr>
+          <p:nvPr/>
+        </p:nvPicPr>
+        <p:blipFill>
+          <a:blip r:embed="rId5">
+            <a:extLst>
+              <a:ext uri="{28A0092B-C50C-407E-A947-70E740481C1C}">
+                <a14:useLocalDpi xmlns:a14="http://schemas.microsoft.com/office/drawing/2010/main" val="0"/>
+              </a:ext>
+            </a:extLst>
+          </a:blip>
+          <a:stretch>
+            <a:fillRect/>
+          </a:stretch>
+        </p:blipFill>
+        <p:spPr>
+          <a:xfrm>
+            <a:off x="3324670" y="1392883"/>
+            <a:ext cx="4696752" cy="1469679"/>
           </a:xfrm>
           <a:prstGeom prst="rect">
             <a:avLst/>
